--- a/AI-DataQuality Analyst/Module3-Basic Statistical Concepts/3.2-Session2(0th-24p)/Careers in AI  Big Data Analytics.pptx
+++ b/AI-DataQuality Analyst/Module3-Basic Statistical Concepts/3.2-Session2(0th-24p)/Careers in AI  Big Data Analytics.pptx
@@ -125,6 +125,35 @@
 </p:presentation>
 </file>
 
+<file path=ppt/changesInfos/changesInfo1.xml><?xml version="1.0" encoding="utf-8"?>
+<pc:chgInfo xmlns:a="http://schemas.openxmlformats.org/drawingml/2006/main" xmlns:r="http://schemas.openxmlformats.org/officeDocument/2006/relationships" xmlns:ac="http://schemas.microsoft.com/office/drawing/2013/main/command" xmlns:pc="http://schemas.microsoft.com/office/powerpoint/2013/main/command">
+  <pc:docChgLst>
+    <pc:chgData name="Krishna Kant Dubey" userId="cd28fa1e1902c48d" providerId="LiveId" clId="{0C0A3220-7406-4794-8206-0D0F48DDC9C2}"/>
+    <pc:docChg chg="modSld">
+      <pc:chgData name="Krishna Kant Dubey" userId="cd28fa1e1902c48d" providerId="LiveId" clId="{0C0A3220-7406-4794-8206-0D0F48DDC9C2}" dt="2025-08-11T08:25:01.640" v="0"/>
+      <pc:docMkLst>
+        <pc:docMk/>
+      </pc:docMkLst>
+      <pc:sldChg chg="addSp modSp">
+        <pc:chgData name="Krishna Kant Dubey" userId="cd28fa1e1902c48d" providerId="LiveId" clId="{0C0A3220-7406-4794-8206-0D0F48DDC9C2}" dt="2025-08-11T08:25:01.640" v="0"/>
+        <pc:sldMkLst>
+          <pc:docMk/>
+          <pc:sldMk cId="2381247086" sldId="257"/>
+        </pc:sldMkLst>
+        <pc:picChg chg="add mod">
+          <ac:chgData name="Krishna Kant Dubey" userId="cd28fa1e1902c48d" providerId="LiveId" clId="{0C0A3220-7406-4794-8206-0D0F48DDC9C2}" dt="2025-08-11T08:25:01.640" v="0"/>
+          <ac:picMkLst>
+            <pc:docMk/>
+            <pc:sldMk cId="2381247086" sldId="257"/>
+            <ac:picMk id="3" creationId="{49D86A38-3EE8-3EE8-6AF2-C0DB66DB3443}"/>
+          </ac:picMkLst>
+        </pc:picChg>
+      </pc:sldChg>
+    </pc:docChg>
+  </pc:docChgLst>
+</pc:chgInfo>
+</file>
+
 <file path=ppt/notesMasters/notesMaster1.xml><?xml version="1.0" encoding="utf-8"?>
 <p:notesMaster xmlns:a="http://schemas.openxmlformats.org/drawingml/2006/main" xmlns:r="http://schemas.openxmlformats.org/officeDocument/2006/relationships" xmlns:p="http://schemas.openxmlformats.org/presentationml/2006/main">
   <p:cSld>
@@ -207,7 +236,7 @@
           <a:p>
             <a:fld id="{771BC1E5-8BD3-45A8-A8D4-BE6B8D3F526F}" type="datetimeFigureOut">
               <a:rPr lang="en-IN" smtClean="0"/>
-              <a:t>28-07-2025</a:t>
+              <a:t>11-08-2025</a:t>
             </a:fld>
             <a:endParaRPr lang="en-IN"/>
           </a:p>
@@ -624,7 +653,7 @@
           <a:p>
             <a:fld id="{8B8265E5-5E35-4F50-869B-ACC7CF337DF9}" type="datetimeFigureOut">
               <a:rPr lang="en-IN" smtClean="0"/>
-              <a:t>28-07-2025</a:t>
+              <a:t>11-08-2025</a:t>
             </a:fld>
             <a:endParaRPr lang="en-IN"/>
           </a:p>
@@ -824,7 +853,7 @@
           <a:p>
             <a:fld id="{8B8265E5-5E35-4F50-869B-ACC7CF337DF9}" type="datetimeFigureOut">
               <a:rPr lang="en-IN" smtClean="0"/>
-              <a:t>28-07-2025</a:t>
+              <a:t>11-08-2025</a:t>
             </a:fld>
             <a:endParaRPr lang="en-IN"/>
           </a:p>
@@ -1034,7 +1063,7 @@
           <a:p>
             <a:fld id="{8B8265E5-5E35-4F50-869B-ACC7CF337DF9}" type="datetimeFigureOut">
               <a:rPr lang="en-IN" smtClean="0"/>
-              <a:t>28-07-2025</a:t>
+              <a:t>11-08-2025</a:t>
             </a:fld>
             <a:endParaRPr lang="en-IN"/>
           </a:p>
@@ -1234,7 +1263,7 @@
           <a:p>
             <a:fld id="{8B8265E5-5E35-4F50-869B-ACC7CF337DF9}" type="datetimeFigureOut">
               <a:rPr lang="en-IN" smtClean="0"/>
-              <a:t>28-07-2025</a:t>
+              <a:t>11-08-2025</a:t>
             </a:fld>
             <a:endParaRPr lang="en-IN"/>
           </a:p>
@@ -1510,7 +1539,7 @@
           <a:p>
             <a:fld id="{8B8265E5-5E35-4F50-869B-ACC7CF337DF9}" type="datetimeFigureOut">
               <a:rPr lang="en-IN" smtClean="0"/>
-              <a:t>28-07-2025</a:t>
+              <a:t>11-08-2025</a:t>
             </a:fld>
             <a:endParaRPr lang="en-IN"/>
           </a:p>
@@ -1778,7 +1807,7 @@
           <a:p>
             <a:fld id="{8B8265E5-5E35-4F50-869B-ACC7CF337DF9}" type="datetimeFigureOut">
               <a:rPr lang="en-IN" smtClean="0"/>
-              <a:t>28-07-2025</a:t>
+              <a:t>11-08-2025</a:t>
             </a:fld>
             <a:endParaRPr lang="en-IN"/>
           </a:p>
@@ -2193,7 +2222,7 @@
           <a:p>
             <a:fld id="{8B8265E5-5E35-4F50-869B-ACC7CF337DF9}" type="datetimeFigureOut">
               <a:rPr lang="en-IN" smtClean="0"/>
-              <a:t>28-07-2025</a:t>
+              <a:t>11-08-2025</a:t>
             </a:fld>
             <a:endParaRPr lang="en-IN"/>
           </a:p>
@@ -2335,7 +2364,7 @@
           <a:p>
             <a:fld id="{8B8265E5-5E35-4F50-869B-ACC7CF337DF9}" type="datetimeFigureOut">
               <a:rPr lang="en-IN" smtClean="0"/>
-              <a:t>28-07-2025</a:t>
+              <a:t>11-08-2025</a:t>
             </a:fld>
             <a:endParaRPr lang="en-IN"/>
           </a:p>
@@ -2448,7 +2477,7 @@
           <a:p>
             <a:fld id="{8B8265E5-5E35-4F50-869B-ACC7CF337DF9}" type="datetimeFigureOut">
               <a:rPr lang="en-IN" smtClean="0"/>
-              <a:t>28-07-2025</a:t>
+              <a:t>11-08-2025</a:t>
             </a:fld>
             <a:endParaRPr lang="en-IN"/>
           </a:p>
@@ -2761,7 +2790,7 @@
           <a:p>
             <a:fld id="{8B8265E5-5E35-4F50-869B-ACC7CF337DF9}" type="datetimeFigureOut">
               <a:rPr lang="en-IN" smtClean="0"/>
-              <a:t>28-07-2025</a:t>
+              <a:t>11-08-2025</a:t>
             </a:fld>
             <a:endParaRPr lang="en-IN"/>
           </a:p>
@@ -3050,7 +3079,7 @@
           <a:p>
             <a:fld id="{8B8265E5-5E35-4F50-869B-ACC7CF337DF9}" type="datetimeFigureOut">
               <a:rPr lang="en-IN" smtClean="0"/>
-              <a:t>28-07-2025</a:t>
+              <a:t>11-08-2025</a:t>
             </a:fld>
             <a:endParaRPr lang="en-IN"/>
           </a:p>
@@ -3293,7 +3322,7 @@
           <a:p>
             <a:fld id="{8B8265E5-5E35-4F50-869B-ACC7CF337DF9}" type="datetimeFigureOut">
               <a:rPr lang="en-IN" smtClean="0"/>
-              <a:t>28-07-2025</a:t>
+              <a:t>11-08-2025</a:t>
             </a:fld>
             <a:endParaRPr lang="en-IN"/>
           </a:p>
@@ -3842,6 +3871,41 @@
           </a:p>
         </p:txBody>
       </p:sp>
+      <p:pic>
+        <p:nvPicPr>
+          <p:cNvPr id="3" name="Content Placeholder 4">
+            <a:extLst>
+              <a:ext uri="{FF2B5EF4-FFF2-40B4-BE49-F238E27FC236}">
+                <a16:creationId xmlns:a16="http://schemas.microsoft.com/office/drawing/2014/main" id="{49D86A38-3EE8-3EE8-6AF2-C0DB66DB3443}"/>
+              </a:ext>
+            </a:extLst>
+          </p:cNvPr>
+          <p:cNvPicPr>
+            <a:picLocks noGrp="1" noChangeAspect="1"/>
+          </p:cNvPicPr>
+          <p:nvPr/>
+        </p:nvPicPr>
+        <p:blipFill>
+          <a:blip r:embed="rId4">
+            <a:extLst>
+              <a:ext uri="{28A0092B-C50C-407E-A947-70E740481C1C}">
+                <a14:useLocalDpi xmlns:a14="http://schemas.microsoft.com/office/drawing/2010/main" val="0"/>
+              </a:ext>
+            </a:extLst>
+          </a:blip>
+          <a:srcRect/>
+          <a:stretch/>
+        </p:blipFill>
+        <p:spPr>
+          <a:xfrm>
+            <a:off x="-3047" y="0"/>
+            <a:ext cx="12198095" cy="6858000"/>
+          </a:xfrm>
+          <a:prstGeom prst="rect">
+            <a:avLst/>
+          </a:prstGeom>
+        </p:spPr>
+      </p:pic>
     </p:spTree>
     <p:extLst>
       <p:ext uri="{BB962C8B-B14F-4D97-AF65-F5344CB8AC3E}">
